--- a/06_Own_Programs/06_OWN_PROGRAM_2020.pptx
+++ b/06_Own_Programs/06_OWN_PROGRAM_2020.pptx
@@ -5079,7 +5079,7 @@
         <p:spPr>
           <a:xfrm>
             <a:off x="0" y="1302743"/>
-            <a:ext cx="9067800" cy="4247317"/>
+            <a:ext cx="9067800" cy="5355312"/>
           </a:xfrm>
           <a:prstGeom prst="rect">
             <a:avLst/>
@@ -5127,7 +5127,7 @@
           </a:p>
           <a:p>
             <a:r>
-              <a:rPr lang="en-US" b="1"/>
+              <a:rPr lang="en-US" b="1" dirty="0"/>
               <a:t>Examples:</a:t>
             </a:r>
           </a:p>
@@ -5242,6 +5242,33 @@
               <a:rPr lang="en-US" b="1" dirty="0"/>
               <a:t>/mam/</a:t>
             </a:r>
+          </a:p>
+          <a:p>
+            <a:endParaRPr lang="en-US" b="1" dirty="0"/>
+          </a:p>
+          <a:p>
+            <a:r>
+              <a:rPr lang="en-US" b="1" dirty="0"/>
+              <a:t>A bunch of extra user defined functions:</a:t>
+            </a:r>
+          </a:p>
+          <a:p>
+            <a:endParaRPr lang="en-US" b="1" dirty="0"/>
+          </a:p>
+          <a:p>
+            <a:r>
+              <a:rPr lang="en-US" b="1" dirty="0"/>
+              <a:t>  cd $RSFSRC/book/Recipes/; more </a:t>
+            </a:r>
+            <a:r>
+              <a:rPr lang="en-US" b="1" err="1"/>
+              <a:t>fdmod</a:t>
+            </a:r>
+            <a:r>
+              <a:rPr lang="en-US" b="1"/>
+              <a:t>.py</a:t>
+            </a:r>
+            <a:endParaRPr lang="en-US" b="1" dirty="0"/>
           </a:p>
           <a:p>
             <a:endParaRPr lang="en-US" b="1" dirty="0"/>
